--- a/CSYE7200-2019Spring Final Project Presentation.pptx
+++ b/CSYE7200-2019Spring Final Project Presentation.pptx
@@ -843,7 +843,7 @@
             <a:fld id="{B61BEF0D-F0BB-DE4B-95CE-6DB70DBA9567}" type="datetimeFigureOut">
               <a:rPr lang="en-US" dirty="0"/>
               <a:pPr/>
-              <a:t>3/16/19</a:t>
+              <a:t>3/18/19</a:t>
             </a:fld>
             <a:endParaRPr lang="en-US" dirty="0"/>
           </a:p>
@@ -1091,7 +1091,7 @@
             <a:fld id="{B61BEF0D-F0BB-DE4B-95CE-6DB70DBA9567}" type="datetimeFigureOut">
               <a:rPr lang="en-US" dirty="0"/>
               <a:pPr/>
-              <a:t>3/16/19</a:t>
+              <a:t>3/18/19</a:t>
             </a:fld>
             <a:endParaRPr lang="en-US" dirty="0"/>
           </a:p>
@@ -1402,7 +1402,7 @@
             <a:fld id="{B61BEF0D-F0BB-DE4B-95CE-6DB70DBA9567}" type="datetimeFigureOut">
               <a:rPr lang="en-US" dirty="0"/>
               <a:pPr/>
-              <a:t>3/16/19</a:t>
+              <a:t>3/18/19</a:t>
             </a:fld>
             <a:endParaRPr lang="en-US" dirty="0"/>
           </a:p>
@@ -1740,7 +1740,7 @@
             <a:fld id="{B61BEF0D-F0BB-DE4B-95CE-6DB70DBA9567}" type="datetimeFigureOut">
               <a:rPr lang="en-US" dirty="0"/>
               <a:pPr/>
-              <a:t>3/16/19</a:t>
+              <a:t>3/18/19</a:t>
             </a:fld>
             <a:endParaRPr lang="en-US" dirty="0"/>
           </a:p>
@@ -2051,7 +2051,7 @@
             <a:fld id="{B61BEF0D-F0BB-DE4B-95CE-6DB70DBA9567}" type="datetimeFigureOut">
               <a:rPr lang="en-US" dirty="0"/>
               <a:pPr/>
-              <a:t>3/16/19</a:t>
+              <a:t>3/18/19</a:t>
             </a:fld>
             <a:endParaRPr lang="en-US" dirty="0"/>
           </a:p>
@@ -2441,7 +2441,7 @@
             <a:fld id="{B61BEF0D-F0BB-DE4B-95CE-6DB70DBA9567}" type="datetimeFigureOut">
               <a:rPr lang="en-US" dirty="0"/>
               <a:pPr/>
-              <a:t>3/16/19</a:t>
+              <a:t>3/18/19</a:t>
             </a:fld>
             <a:endParaRPr lang="en-US" dirty="0"/>
           </a:p>
@@ -2607,7 +2607,7 @@
           <a:p>
             <a:fld id="{55C6B4A9-1611-4792-9094-5F34BCA07E0B}" type="datetimeFigureOut">
               <a:rPr lang="en-US" dirty="0"/>
-              <a:t>3/16/19</a:t>
+              <a:t>3/18/19</a:t>
             </a:fld>
             <a:endParaRPr lang="en-US" dirty="0"/>
           </a:p>
@@ -2783,7 +2783,7 @@
             <a:fld id="{B61BEF0D-F0BB-DE4B-95CE-6DB70DBA9567}" type="datetimeFigureOut">
               <a:rPr lang="en-US" dirty="0"/>
               <a:pPr/>
-              <a:t>3/16/19</a:t>
+              <a:t>3/18/19</a:t>
             </a:fld>
             <a:endParaRPr lang="en-US" dirty="0"/>
           </a:p>
@@ -2956,7 +2956,7 @@
             <a:fld id="{B61BEF0D-F0BB-DE4B-95CE-6DB70DBA9567}" type="datetimeFigureOut">
               <a:rPr lang="en-US" dirty="0"/>
               <a:pPr/>
-              <a:t>3/16/19</a:t>
+              <a:t>3/18/19</a:t>
             </a:fld>
             <a:endParaRPr lang="en-US" dirty="0"/>
           </a:p>
@@ -3200,7 +3200,7 @@
             <a:fld id="{B61BEF0D-F0BB-DE4B-95CE-6DB70DBA9567}" type="datetimeFigureOut">
               <a:rPr lang="en-US" dirty="0"/>
               <a:pPr/>
-              <a:t>3/16/19</a:t>
+              <a:t>3/18/19</a:t>
             </a:fld>
             <a:endParaRPr lang="en-US" dirty="0"/>
           </a:p>
@@ -3428,7 +3428,7 @@
           <a:p>
             <a:fld id="{EB712588-04B1-427B-82EE-E8DB90309F08}" type="datetimeFigureOut">
               <a:rPr lang="en-US" dirty="0"/>
-              <a:t>3/16/19</a:t>
+              <a:t>3/18/19</a:t>
             </a:fld>
             <a:endParaRPr lang="en-US" dirty="0"/>
           </a:p>
@@ -3798,7 +3798,7 @@
             <a:fld id="{B61BEF0D-F0BB-DE4B-95CE-6DB70DBA9567}" type="datetimeFigureOut">
               <a:rPr lang="en-US" dirty="0"/>
               <a:pPr/>
-              <a:t>3/16/19</a:t>
+              <a:t>3/18/19</a:t>
             </a:fld>
             <a:endParaRPr lang="en-US" dirty="0"/>
           </a:p>
@@ -3918,7 +3918,7 @@
             <a:fld id="{B61BEF0D-F0BB-DE4B-95CE-6DB70DBA9567}" type="datetimeFigureOut">
               <a:rPr lang="en-US" dirty="0"/>
               <a:pPr/>
-              <a:t>3/16/19</a:t>
+              <a:t>3/18/19</a:t>
             </a:fld>
             <a:endParaRPr lang="en-US" dirty="0"/>
           </a:p>
@@ -4010,7 +4010,7 @@
             <a:fld id="{B61BEF0D-F0BB-DE4B-95CE-6DB70DBA9567}" type="datetimeFigureOut">
               <a:rPr lang="en-US" dirty="0"/>
               <a:pPr/>
-              <a:t>3/16/19</a:t>
+              <a:t>3/18/19</a:t>
             </a:fld>
             <a:endParaRPr lang="en-US" dirty="0"/>
           </a:p>
@@ -4261,7 +4261,7 @@
           <a:p>
             <a:fld id="{42A54C80-263E-416B-A8E0-580EDEADCBDC}" type="datetimeFigureOut">
               <a:rPr lang="en-US" dirty="0"/>
-              <a:t>3/16/19</a:t>
+              <a:t>3/18/19</a:t>
             </a:fld>
             <a:endParaRPr lang="en-US" dirty="0"/>
           </a:p>
@@ -4520,7 +4520,7 @@
             <a:fld id="{B61BEF0D-F0BB-DE4B-95CE-6DB70DBA9567}" type="datetimeFigureOut">
               <a:rPr lang="en-US" dirty="0"/>
               <a:pPr/>
-              <a:t>3/16/19</a:t>
+              <a:t>3/18/19</a:t>
             </a:fld>
             <a:endParaRPr lang="en-US" dirty="0"/>
           </a:p>
@@ -5260,7 +5260,7 @@
             <a:fld id="{B61BEF0D-F0BB-DE4B-95CE-6DB70DBA9567}" type="datetimeFigureOut">
               <a:rPr lang="en-US" dirty="0"/>
               <a:pPr/>
-              <a:t>3/16/19</a:t>
+              <a:t>3/18/19</a:t>
             </a:fld>
             <a:endParaRPr lang="en-US" dirty="0"/>
           </a:p>
@@ -5928,17 +5928,8 @@
               <a:buNone/>
             </a:pPr>
             <a:r>
-              <a:rPr lang="en-US" sz="2800" dirty="0"/>
-              <a:t>System run data model with training data set and match the test data set to generate the successful prediction rate.</a:t>
-            </a:r>
-          </a:p>
-          <a:p>
-            <a:pPr marL="0" indent="0">
-              <a:buNone/>
-            </a:pPr>
-            <a:r>
               <a:rPr lang="en-US" altLang="zh-CN" sz="2800" dirty="0"/>
-              <a:t>Use Scala web develop a web page to present.</a:t>
+              <a:t>For people who want to estimate taxi fare when they doing travel plan.</a:t>
             </a:r>
           </a:p>
         </p:txBody>
@@ -6792,6 +6783,12 @@
             <a:r>
               <a:rPr lang="en-US" sz="2800" dirty="0"/>
               <a:t>The successful prediction rate should be larger than 75%</a:t>
+            </a:r>
+          </a:p>
+          <a:p>
+            <a:r>
+              <a:rPr lang="en-US" sz="2800" dirty="0"/>
+              <a:t>The web we use base on trained model will react within few seconds.</a:t>
             </a:r>
           </a:p>
         </p:txBody>
